--- a/Presentations/01 - Presentation 15 Oct 2018.pptx
+++ b/Presentations/01 - Presentation 15 Oct 2018.pptx
@@ -4291,7 +4291,7 @@
           <a:bodyPr lIns="0" rIns="0" tIns="0" bIns="0"/>
           <a:p>
             <a:pPr algn="r"/>
-            <a:fld id="{8CEB1490-0F9A-4FAF-BA9B-1CE60BA17DA0}" type="slidenum">
+            <a:fld id="{E8883F87-920B-4F84-A91C-CF411D15A419}" type="slidenum">
               <a:rPr b="0" lang="en-IN" sz="2400" spc="-1" strike="noStrike">
                 <a:solidFill>
                   <a:srgbClr val="dbf5f9"/>
@@ -4944,7 +4944,7 @@
           <a:bodyPr lIns="0" rIns="0" tIns="0" bIns="0"/>
           <a:p>
             <a:pPr algn="r"/>
-            <a:fld id="{22BA318E-94FE-4E4A-8C0D-A704E33D56CB}" type="slidenum">
+            <a:fld id="{21A9ADC7-4D10-475D-A411-B35619CC9AE1}" type="slidenum">
               <a:rPr b="0" lang="en-IN" sz="2400" spc="-1" strike="noStrike">
                 <a:solidFill>
                   <a:srgbClr val="484848"/>
@@ -5334,7 +5334,7 @@
           <a:bodyPr lIns="0" rIns="0" tIns="0" bIns="0"/>
           <a:p>
             <a:pPr algn="r"/>
-            <a:fld id="{1A19005D-D77D-4FFE-A5E3-5575B7651D40}" type="slidenum">
+            <a:fld id="{5722624C-1FB0-4C6A-A5FD-55DB3828508F}" type="slidenum">
               <a:rPr b="0" lang="en-IN" sz="2400" spc="-1" strike="noStrike">
                 <a:solidFill>
                   <a:srgbClr val="484848"/>
@@ -5688,8 +5688,70 @@
           </a:p>
         </p:txBody>
       </p:sp>
+      <p:sp>
+        <p:nvSpPr>
+          <p:cNvPr id="129" name="TextShape 6"/>
+          <p:cNvSpPr txBox="1"/>
+          <p:nvPr/>
+        </p:nvSpPr>
+        <p:spPr>
+          <a:xfrm>
+            <a:off x="4248000" y="5213520"/>
+            <a:ext cx="3744000" cy="546480"/>
+          </a:xfrm>
+          <a:prstGeom prst="rect">
+            <a:avLst/>
+          </a:prstGeom>
+          <a:noFill/>
+          <a:ln>
+            <a:noFill/>
+          </a:ln>
+        </p:spPr>
+        <p:txBody>
+          <a:bodyPr lIns="36000" rIns="36000" tIns="36000" bIns="36000" anchor="ctr"/>
+          <a:p>
+            <a:pPr algn="ctr"/>
+            <a:r>
+              <a:rPr b="1" lang="en-IN" sz="2800" spc="-1" strike="noStrike">
+                <a:latin typeface="AnjaliOldLipi"/>
+              </a:rPr>
+              <a:t>Group Number 4 </a:t>
+            </a:r>
+            <a:endParaRPr b="1" lang="en-IN" sz="2800" spc="-1" strike="noStrike">
+              <a:latin typeface="AnjaliOldLipi"/>
+            </a:endParaRPr>
+          </a:p>
+        </p:txBody>
+      </p:sp>
     </p:spTree>
   </p:cSld>
+  <p:timing>
+    <p:tnLst>
+      <p:par>
+        <p:cTn id="1" dur="indefinite" restart="never" nodeType="tmRoot">
+          <p:childTnLst>
+            <p:seq>
+              <p:cTn id="2" dur="indefinite" nodeType="mainSeq"/>
+              <p:prevCondLst>
+                <p:cond delay="0" evt="onPrev">
+                  <p:tgtEl>
+                    <p:sldTgt/>
+                  </p:tgtEl>
+                </p:cond>
+              </p:prevCondLst>
+              <p:nextCondLst>
+                <p:cond delay="0" evt="onNext">
+                  <p:tgtEl>
+                    <p:sldTgt/>
+                  </p:tgtEl>
+                </p:cond>
+              </p:nextCondLst>
+            </p:seq>
+          </p:childTnLst>
+        </p:cTn>
+      </p:par>
+    </p:tnLst>
+  </p:timing>
 </p:sld>
 </file>
 
@@ -5712,7 +5774,7 @@
       </p:grpSpPr>
       <p:sp>
         <p:nvSpPr>
-          <p:cNvPr id="145" name="TextShape 1"/>
+          <p:cNvPr id="146" name="TextShape 1"/>
           <p:cNvSpPr txBox="1"/>
           <p:nvPr/>
         </p:nvSpPr>
@@ -5753,7 +5815,7 @@
       </p:sp>
       <p:sp>
         <p:nvSpPr>
-          <p:cNvPr id="146" name="TextShape 2"/>
+          <p:cNvPr id="147" name="TextShape 2"/>
           <p:cNvSpPr txBox="1"/>
           <p:nvPr/>
         </p:nvSpPr>
@@ -5924,7 +5986,7 @@
       </p:grpSpPr>
       <p:sp>
         <p:nvSpPr>
-          <p:cNvPr id="147" name="TextShape 1"/>
+          <p:cNvPr id="148" name="TextShape 1"/>
           <p:cNvSpPr txBox="1"/>
           <p:nvPr/>
         </p:nvSpPr>
@@ -5965,7 +6027,7 @@
       </p:sp>
       <p:sp>
         <p:nvSpPr>
-          <p:cNvPr id="148" name="TextShape 2"/>
+          <p:cNvPr id="149" name="TextShape 2"/>
           <p:cNvSpPr txBox="1"/>
           <p:nvPr/>
         </p:nvSpPr>
@@ -6064,7 +6126,7 @@
       </p:grpSpPr>
       <p:sp>
         <p:nvSpPr>
-          <p:cNvPr id="149" name="TextShape 1"/>
+          <p:cNvPr id="150" name="TextShape 1"/>
           <p:cNvSpPr txBox="1"/>
           <p:nvPr/>
         </p:nvSpPr>
@@ -6105,7 +6167,7 @@
       </p:sp>
       <p:sp>
         <p:nvSpPr>
-          <p:cNvPr id="150" name="TextShape 2"/>
+          <p:cNvPr id="151" name="TextShape 2"/>
           <p:cNvSpPr txBox="1"/>
           <p:nvPr/>
         </p:nvSpPr>
@@ -6190,7 +6252,7 @@
       </p:grpSpPr>
       <p:sp>
         <p:nvSpPr>
-          <p:cNvPr id="151" name="TextShape 1"/>
+          <p:cNvPr id="152" name="TextShape 1"/>
           <p:cNvSpPr txBox="1"/>
           <p:nvPr/>
         </p:nvSpPr>
@@ -6263,7 +6325,7 @@
       </p:grpSpPr>
       <p:sp>
         <p:nvSpPr>
-          <p:cNvPr id="129" name="TextShape 1"/>
+          <p:cNvPr id="130" name="TextShape 1"/>
           <p:cNvSpPr txBox="1"/>
           <p:nvPr/>
         </p:nvSpPr>
@@ -6306,7 +6368,7 @@
       </p:sp>
       <p:sp>
         <p:nvSpPr>
-          <p:cNvPr id="130" name="TextShape 2"/>
+          <p:cNvPr id="131" name="TextShape 2"/>
           <p:cNvSpPr txBox="1"/>
           <p:nvPr/>
         </p:nvSpPr>
@@ -6628,7 +6690,7 @@
       </p:grpSpPr>
       <p:sp>
         <p:nvSpPr>
-          <p:cNvPr id="131" name="TextShape 1"/>
+          <p:cNvPr id="132" name="TextShape 1"/>
           <p:cNvSpPr txBox="1"/>
           <p:nvPr/>
         </p:nvSpPr>
@@ -6669,7 +6731,7 @@
       </p:sp>
       <p:sp>
         <p:nvSpPr>
-          <p:cNvPr id="132" name="TextShape 2"/>
+          <p:cNvPr id="133" name="TextShape 2"/>
           <p:cNvSpPr txBox="1"/>
           <p:nvPr/>
         </p:nvSpPr>
@@ -6816,7 +6878,7 @@
       </p:grpSpPr>
       <p:sp>
         <p:nvSpPr>
-          <p:cNvPr id="133" name="TextShape 1"/>
+          <p:cNvPr id="134" name="TextShape 1"/>
           <p:cNvSpPr txBox="1"/>
           <p:nvPr/>
         </p:nvSpPr>
@@ -6857,7 +6919,7 @@
       </p:sp>
       <p:sp>
         <p:nvSpPr>
-          <p:cNvPr id="134" name="TextShape 2"/>
+          <p:cNvPr id="135" name="TextShape 2"/>
           <p:cNvSpPr txBox="1"/>
           <p:nvPr/>
         </p:nvSpPr>
@@ -6961,7 +7023,7 @@
       </p:grpSpPr>
       <p:sp>
         <p:nvSpPr>
-          <p:cNvPr id="135" name="TextShape 1"/>
+          <p:cNvPr id="136" name="TextShape 1"/>
           <p:cNvSpPr txBox="1"/>
           <p:nvPr/>
         </p:nvSpPr>
@@ -7002,7 +7064,7 @@
       </p:sp>
       <p:sp>
         <p:nvSpPr>
-          <p:cNvPr id="136" name="TextShape 2"/>
+          <p:cNvPr id="137" name="TextShape 2"/>
           <p:cNvSpPr txBox="1"/>
           <p:nvPr/>
         </p:nvSpPr>
@@ -7181,7 +7243,7 @@
       </p:grpSpPr>
       <p:sp>
         <p:nvSpPr>
-          <p:cNvPr id="137" name="TextShape 1"/>
+          <p:cNvPr id="138" name="TextShape 1"/>
           <p:cNvSpPr txBox="1"/>
           <p:nvPr/>
         </p:nvSpPr>
@@ -7222,7 +7284,7 @@
       </p:sp>
       <p:sp>
         <p:nvSpPr>
-          <p:cNvPr id="138" name="TextShape 2"/>
+          <p:cNvPr id="139" name="TextShape 2"/>
           <p:cNvSpPr txBox="1"/>
           <p:nvPr/>
         </p:nvSpPr>
@@ -7277,7 +7339,7 @@
       </p:grpSpPr>
       <p:sp>
         <p:nvSpPr>
-          <p:cNvPr id="139" name="TextShape 1"/>
+          <p:cNvPr id="140" name="TextShape 1"/>
           <p:cNvSpPr txBox="1"/>
           <p:nvPr/>
         </p:nvSpPr>
@@ -7318,7 +7380,7 @@
       </p:sp>
       <p:sp>
         <p:nvSpPr>
-          <p:cNvPr id="140" name="TextShape 2"/>
+          <p:cNvPr id="141" name="TextShape 2"/>
           <p:cNvSpPr txBox="1"/>
           <p:nvPr/>
         </p:nvSpPr>
@@ -7482,7 +7544,7 @@
       </p:grpSpPr>
       <p:sp>
         <p:nvSpPr>
-          <p:cNvPr id="141" name="TextShape 1"/>
+          <p:cNvPr id="142" name="TextShape 1"/>
           <p:cNvSpPr txBox="1"/>
           <p:nvPr/>
         </p:nvSpPr>
@@ -7523,7 +7585,7 @@
       </p:sp>
       <p:sp>
         <p:nvSpPr>
-          <p:cNvPr id="142" name="TextShape 2"/>
+          <p:cNvPr id="143" name="TextShape 2"/>
           <p:cNvSpPr txBox="1"/>
           <p:nvPr/>
         </p:nvSpPr>
@@ -7706,7 +7768,7 @@
       </p:grpSpPr>
       <p:sp>
         <p:nvSpPr>
-          <p:cNvPr id="143" name="TextShape 1"/>
+          <p:cNvPr id="144" name="TextShape 1"/>
           <p:cNvSpPr txBox="1"/>
           <p:nvPr/>
         </p:nvSpPr>
@@ -7747,7 +7809,7 @@
       </p:sp>
       <p:sp>
         <p:nvSpPr>
-          <p:cNvPr id="144" name="TextShape 2"/>
+          <p:cNvPr id="145" name="TextShape 2"/>
           <p:cNvSpPr txBox="1"/>
           <p:nvPr/>
         </p:nvSpPr>
